--- a/DATAMBULANCE/Datambulance.pptx
+++ b/DATAMBULANCE/Datambulance.pptx
@@ -11917,10 +11917,10 @@
       </p:pic>
       <p:pic>
         <p:nvPicPr>
-          <p:cNvPr id="22" name="Picture 5">
-            <a:extLst>
-              <a:ext uri="{FF2B5EF4-FFF2-40B4-BE49-F238E27FC236}">
-                <a16:creationId xmlns:a16="http://schemas.microsoft.com/office/drawing/2014/main" id="{0D949C0A-86E4-4F02-B743-662C040B1EE4}"/>
+          <p:cNvPr id="23" name="Picture 6">
+            <a:extLst>
+              <a:ext uri="{FF2B5EF4-FFF2-40B4-BE49-F238E27FC236}">
+                <a16:creationId xmlns:a16="http://schemas.microsoft.com/office/drawing/2014/main" id="{A917E735-AB49-4A6B-9C8A-DC8751113673}"/>
               </a:ext>
             </a:extLst>
           </p:cNvPr>
@@ -11947,46 +11947,6 @@
         </p:blipFill>
         <p:spPr>
           <a:xfrm>
-            <a:off x="2619435" y="7980184"/>
-            <a:ext cx="1717894" cy="1717894"/>
-          </a:xfrm>
-          <a:prstGeom prst="rect">
-            <a:avLst/>
-          </a:prstGeom>
-        </p:spPr>
-      </p:pic>
-      <p:pic>
-        <p:nvPicPr>
-          <p:cNvPr id="23" name="Picture 6">
-            <a:extLst>
-              <a:ext uri="{FF2B5EF4-FFF2-40B4-BE49-F238E27FC236}">
-                <a16:creationId xmlns:a16="http://schemas.microsoft.com/office/drawing/2014/main" id="{A917E735-AB49-4A6B-9C8A-DC8751113673}"/>
-              </a:ext>
-            </a:extLst>
-          </p:cNvPr>
-          <p:cNvPicPr>
-            <a:picLocks noChangeAspect="1"/>
-          </p:cNvPicPr>
-          <p:nvPr/>
-        </p:nvPicPr>
-        <p:blipFill>
-          <a:blip r:embed="rId8">
-            <a:extLst>
-              <a:ext uri="{28A0092B-C50C-407E-A947-70E740481C1C}">
-                <a14:useLocalDpi xmlns:a14="http://schemas.microsoft.com/office/drawing/2010/main" val="0"/>
-              </a:ext>
-              <a:ext uri="{96DAC541-7B7A-43D3-8B79-37D633B846F1}">
-                <asvg:svgBlip xmlns:asvg="http://schemas.microsoft.com/office/drawing/2016/SVG/main" r:embed="rId9"/>
-              </a:ext>
-            </a:extLst>
-          </a:blip>
-          <a:srcRect/>
-          <a:stretch>
-            <a:fillRect/>
-          </a:stretch>
-        </p:blipFill>
-        <p:spPr>
-          <a:xfrm>
             <a:off x="3186461" y="4058854"/>
             <a:ext cx="1041818" cy="1164043"/>
           </a:xfrm>
@@ -12010,13 +11970,13 @@
           <p:nvPr/>
         </p:nvPicPr>
         <p:blipFill rotWithShape="1">
-          <a:blip r:embed="rId10">
+          <a:blip r:embed="rId8">
             <a:extLst>
               <a:ext uri="{28A0092B-C50C-407E-A947-70E740481C1C}">
                 <a14:useLocalDpi xmlns:a14="http://schemas.microsoft.com/office/drawing/2010/main" val="0"/>
               </a:ext>
               <a:ext uri="{96DAC541-7B7A-43D3-8B79-37D633B846F1}">
-                <asvg:svgBlip xmlns:asvg="http://schemas.microsoft.com/office/drawing/2016/SVG/main" r:embed="rId11"/>
+                <asvg:svgBlip xmlns:asvg="http://schemas.microsoft.com/office/drawing/2016/SVG/main" r:embed="rId9"/>
               </a:ext>
             </a:extLst>
           </a:blip>
@@ -12048,7 +12008,7 @@
           <p:nvPr/>
         </p:nvPicPr>
         <p:blipFill>
-          <a:blip r:embed="rId12">
+          <a:blip r:embed="rId10">
             <a:extLst>
               <a:ext uri="{28A0092B-C50C-407E-A947-70E740481C1C}">
                 <a14:useLocalDpi xmlns:a14="http://schemas.microsoft.com/office/drawing/2010/main" val="0"/>
@@ -12095,7 +12055,7 @@
           <p:nvPr/>
         </p:nvPicPr>
         <p:blipFill>
-          <a:blip r:embed="rId13">
+          <a:blip r:embed="rId11">
             <a:extLst>
               <a:ext uri="{28A0092B-C50C-407E-A947-70E740481C1C}">
                 <a14:useLocalDpi xmlns:a14="http://schemas.microsoft.com/office/drawing/2010/main" val="0"/>
@@ -23272,6 +23232,23 @@
 </file>
 
 <file path=customXml/item1.xml><?xml version="1.0" encoding="utf-8"?>
+<p:properties xmlns:p="http://schemas.microsoft.com/office/2006/metadata/properties" xmlns:xsi="http://www.w3.org/2001/XMLSchema-instance" xmlns:pc="http://schemas.microsoft.com/office/infopath/2007/PartnerControls">
+  <documentManagement>
+    <MediaServiceKeyPoints xmlns="71af3243-3dd4-4a8d-8c0d-dd76da1f02a5" xsi:nil="true"/>
+  </documentManagement>
+</p:properties>
+</file>
+
+<file path=customXml/item2.xml><?xml version="1.0" encoding="utf-8"?>
+<?mso-contentType ?>
+<FormTemplates xmlns="http://schemas.microsoft.com/sharepoint/v3/contenttype/forms">
+  <Display>DocumentLibraryForm</Display>
+  <Edit>DocumentLibraryForm</Edit>
+  <New>DocumentLibraryForm</New>
+</FormTemplates>
+</file>
+
+<file path=customXml/item3.xml><?xml version="1.0" encoding="utf-8"?>
 <ct:contentTypeSchema xmlns:ct="http://schemas.microsoft.com/office/2006/metadata/contentType" xmlns:ma="http://schemas.microsoft.com/office/2006/metadata/properties/metaAttributes" ct:_="" ma:_="" ma:contentTypeName="Document" ma:contentTypeID="0x01010079F111ED35F8CC479449609E8A0923A6" ma:contentTypeVersion="11" ma:contentTypeDescription="Create a new document." ma:contentTypeScope="" ma:versionID="1c2eb7a32e66fb6e4260f3771546a5e2">
   <xsd:schema xmlns:xsd="http://www.w3.org/2001/XMLSchema" xmlns:xs="http://www.w3.org/2001/XMLSchema" xmlns:p="http://schemas.microsoft.com/office/2006/metadata/properties" xmlns:ns2="71af3243-3dd4-4a8d-8c0d-dd76da1f02a5" xmlns:ns3="16c05727-aa75-4e4a-9b5f-8a80a1165891" targetNamespace="http://schemas.microsoft.com/office/2006/metadata/properties" ma:root="true" ma:fieldsID="04e1f6479c48b08974ba73b5ca973489" ns2:_="" ns3:_="">
     <xsd:import namespace="71af3243-3dd4-4a8d-8c0d-dd76da1f02a5"/>
@@ -23482,24 +23459,32 @@
 </ct:contentTypeSchema>
 </file>
 
-<file path=customXml/item2.xml><?xml version="1.0" encoding="utf-8"?>
-<?mso-contentType ?>
-<FormTemplates xmlns="http://schemas.microsoft.com/sharepoint/v3/contenttype/forms">
-  <Display>DocumentLibraryForm</Display>
-  <Edit>DocumentLibraryForm</Edit>
-  <New>DocumentLibraryForm</New>
-</FormTemplates>
+<file path=customXml/itemProps1.xml><?xml version="1.0" encoding="utf-8"?>
+<ds:datastoreItem xmlns:ds="http://schemas.openxmlformats.org/officeDocument/2006/customXml" ds:itemID="{AF4BDB64-2AF8-42D4-96C8-B6B6F098993C}">
+  <ds:schemaRefs>
+    <ds:schemaRef ds:uri="http://schemas.microsoft.com/office/2006/metadata/properties"/>
+    <ds:schemaRef ds:uri="http://schemas.microsoft.com/office/infopath/2007/PartnerControls"/>
+    <ds:schemaRef ds:uri="http://purl.org/dc/dcmitype/"/>
+    <ds:schemaRef ds:uri="http://schemas.microsoft.com/office/2006/documentManagement/types"/>
+    <ds:schemaRef ds:uri="16c05727-aa75-4e4a-9b5f-8a80a1165891"/>
+    <ds:schemaRef ds:uri="http://purl.org/dc/elements/1.1/"/>
+    <ds:schemaRef ds:uri="http://purl.org/dc/terms/"/>
+    <ds:schemaRef ds:uri="http://schemas.openxmlformats.org/package/2006/metadata/core-properties"/>
+    <ds:schemaRef ds:uri="71af3243-3dd4-4a8d-8c0d-dd76da1f02a5"/>
+    <ds:schemaRef ds:uri="http://www.w3.org/XML/1998/namespace"/>
+  </ds:schemaRefs>
+</ds:datastoreItem>
 </file>
 
-<file path=customXml/item3.xml><?xml version="1.0" encoding="utf-8"?>
-<p:properties xmlns:p="http://schemas.microsoft.com/office/2006/metadata/properties" xmlns:xsi="http://www.w3.org/2001/XMLSchema-instance" xmlns:pc="http://schemas.microsoft.com/office/infopath/2007/PartnerControls">
-  <documentManagement>
-    <MediaServiceKeyPoints xmlns="71af3243-3dd4-4a8d-8c0d-dd76da1f02a5" xsi:nil="true"/>
-  </documentManagement>
-</p:properties>
+<file path=customXml/itemProps2.xml><?xml version="1.0" encoding="utf-8"?>
+<ds:datastoreItem xmlns:ds="http://schemas.openxmlformats.org/officeDocument/2006/customXml" ds:itemID="{0C66BDC7-24D2-4343-8D41-18F9C23F860A}">
+  <ds:schemaRefs>
+    <ds:schemaRef ds:uri="http://schemas.microsoft.com/sharepoint/v3/contenttype/forms"/>
+  </ds:schemaRefs>
+</ds:datastoreItem>
 </file>
 
-<file path=customXml/itemProps1.xml><?xml version="1.0" encoding="utf-8"?>
+<file path=customXml/itemProps3.xml><?xml version="1.0" encoding="utf-8"?>
 <ds:datastoreItem xmlns:ds="http://schemas.openxmlformats.org/officeDocument/2006/customXml" ds:itemID="{533BAED8-F9E7-4D41-86E9-333473F909FD}">
   <ds:schemaRefs>
     <ds:schemaRef ds:uri="http://schemas.microsoft.com/office/2006/metadata/contentType"/>
@@ -23516,29 +23501,4 @@
     <ds:schemaRef ds:uri="http://schemas.microsoft.com/internal/obd"/>
   </ds:schemaRefs>
 </ds:datastoreItem>
-</file>
-
-<file path=customXml/itemProps2.xml><?xml version="1.0" encoding="utf-8"?>
-<ds:datastoreItem xmlns:ds="http://schemas.openxmlformats.org/officeDocument/2006/customXml" ds:itemID="{0C66BDC7-24D2-4343-8D41-18F9C23F860A}">
-  <ds:schemaRefs>
-    <ds:schemaRef ds:uri="http://schemas.microsoft.com/sharepoint/v3/contenttype/forms"/>
-  </ds:schemaRefs>
-</ds:datastoreItem>
-</file>
-
-<file path=customXml/itemProps3.xml><?xml version="1.0" encoding="utf-8"?>
-<ds:datastoreItem xmlns:ds="http://schemas.openxmlformats.org/officeDocument/2006/customXml" ds:itemID="{AF4BDB64-2AF8-42D4-96C8-B6B6F098993C}">
-  <ds:schemaRefs>
-    <ds:schemaRef ds:uri="http://schemas.microsoft.com/office/2006/metadata/properties"/>
-    <ds:schemaRef ds:uri="http://schemas.microsoft.com/office/infopath/2007/PartnerControls"/>
-    <ds:schemaRef ds:uri="http://purl.org/dc/dcmitype/"/>
-    <ds:schemaRef ds:uri="http://schemas.microsoft.com/office/2006/documentManagement/types"/>
-    <ds:schemaRef ds:uri="16c05727-aa75-4e4a-9b5f-8a80a1165891"/>
-    <ds:schemaRef ds:uri="http://purl.org/dc/elements/1.1/"/>
-    <ds:schemaRef ds:uri="http://purl.org/dc/terms/"/>
-    <ds:schemaRef ds:uri="http://schemas.openxmlformats.org/package/2006/metadata/core-properties"/>
-    <ds:schemaRef ds:uri="71af3243-3dd4-4a8d-8c0d-dd76da1f02a5"/>
-    <ds:schemaRef ds:uri="http://www.w3.org/XML/1998/namespace"/>
-  </ds:schemaRefs>
-</ds:datastoreItem>
 </file>